--- a/ppt/EY.MatlabCompiler.pptx
+++ b/ppt/EY.MatlabCompiler.pptx
@@ -4370,7 +4370,7 @@
                 <a:latin typeface="Calibri" panose="020F0502020204030204" pitchFamily="34" charset="0"/>
                 <a:cs typeface="Calibri" panose="020F0502020204030204" pitchFamily="34" charset="0"/>
               </a:rPr>
-              <a:t>Corresponding directories:</a:t>
+              <a:t>Corresponding directories in examples/mixing:</a:t>
             </a:r>
           </a:p>
           <a:p>
@@ -4586,6 +4586,26 @@
             <a:normAutofit/>
           </a:bodyPr>
           <a:lstStyle/>
+          <a:p>
+            <a:r>
+              <a:rPr lang="en-GB" sz="2400" dirty="0">
+                <a:latin typeface="Calibri" panose="020F0502020204030204" pitchFamily="34" charset="0"/>
+                <a:cs typeface="Calibri" panose="020F0502020204030204" pitchFamily="34" charset="0"/>
+              </a:rPr>
+              <a:t>Available in examples/</a:t>
+            </a:r>
+            <a:r>
+              <a:rPr lang="en-GB" sz="2400" dirty="0" err="1">
+                <a:latin typeface="Calibri" panose="020F0502020204030204" pitchFamily="34" charset="0"/>
+                <a:cs typeface="Calibri" panose="020F0502020204030204" pitchFamily="34" charset="0"/>
+              </a:rPr>
+              <a:t>mex_examples</a:t>
+            </a:r>
+            <a:endParaRPr lang="en-GB" sz="2400" dirty="0">
+              <a:latin typeface="Calibri" panose="020F0502020204030204" pitchFamily="34" charset="0"/>
+              <a:cs typeface="Calibri" panose="020F0502020204030204" pitchFamily="34" charset="0"/>
+            </a:endParaRPr>
+          </a:p>
           <a:p>
             <a:r>
               <a:rPr lang="en-GB" sz="2400" dirty="0" err="1">
@@ -11730,7 +11750,7 @@
                 <a:latin typeface="Calibri" panose="020F0502020204030204" pitchFamily="34" charset="0"/>
                 <a:cs typeface="Calibri" panose="020F0502020204030204" pitchFamily="34" charset="0"/>
               </a:rPr>
-              <a:t>Explicit/manual parallelization of (parallel) for </a:t>
+              <a:t>Explicit/manual parallelization of (parallel) for loop </a:t>
             </a:r>
           </a:p>
           <a:p>
@@ -11792,6 +11812,35 @@
               </a:rPr>
               <a:t>Compiling MATLAB M-Files for Usage Within C-Applications. P. M. Roth, M. Winter, B. Jung, 2005. </a:t>
             </a:r>
+          </a:p>
+          <a:p>
+            <a:pPr lvl="1"/>
+            <a:r>
+              <a:rPr lang="en-GB" sz="2200" dirty="0">
+                <a:latin typeface="Calibri" panose="020F0502020204030204" pitchFamily="34" charset="0"/>
+                <a:cs typeface="Calibri" panose="020F0502020204030204" pitchFamily="34" charset="0"/>
+              </a:rPr>
+              <a:t>Available as </a:t>
+            </a:r>
+            <a:r>
+              <a:rPr lang="en-GB" sz="2200">
+                <a:latin typeface="Calibri" panose="020F0502020204030204" pitchFamily="34" charset="0"/>
+                <a:cs typeface="Calibri" panose="020F0502020204030204" pitchFamily="34" charset="0"/>
+              </a:rPr>
+              <a:t>pdf files in </a:t>
+            </a:r>
+            <a:r>
+              <a:rPr lang="en-GB" sz="2200" dirty="0">
+                <a:latin typeface="Calibri" panose="020F0502020204030204" pitchFamily="34" charset="0"/>
+                <a:cs typeface="Calibri" panose="020F0502020204030204" pitchFamily="34" charset="0"/>
+              </a:rPr>
+              <a:t>examples/mixing/0.doc</a:t>
+            </a:r>
+            <a:endParaRPr lang="en-GB" sz="2200" dirty="0">
+              <a:effectLst/>
+              <a:latin typeface="Calibri" panose="020F0502020204030204" pitchFamily="34" charset="0"/>
+              <a:cs typeface="Calibri" panose="020F0502020204030204" pitchFamily="34" charset="0"/>
+            </a:endParaRPr>
           </a:p>
         </p:txBody>
       </p:sp>
@@ -15560,6 +15609,73 @@
           </a:graphicData>
         </a:graphic>
       </p:graphicFrame>
+      <p:sp>
+        <p:nvSpPr>
+          <p:cNvPr id="3" name="TextBox 2">
+            <a:extLst>
+              <a:ext uri="{FF2B5EF4-FFF2-40B4-BE49-F238E27FC236}">
+                <a16:creationId xmlns:a16="http://schemas.microsoft.com/office/drawing/2014/main" id="{CEB63D26-D059-86BC-9FD1-DD6741223E66}"/>
+              </a:ext>
+            </a:extLst>
+          </p:cNvPr>
+          <p:cNvSpPr txBox="1"/>
+          <p:nvPr/>
+        </p:nvSpPr>
+        <p:spPr>
+          <a:xfrm>
+            <a:off x="284163" y="5779103"/>
+            <a:ext cx="8588376" cy="461665"/>
+          </a:xfrm>
+          <a:prstGeom prst="rect">
+            <a:avLst/>
+          </a:prstGeom>
+          <a:noFill/>
+          <a:ln w="12700" cap="flat">
+            <a:noFill/>
+            <a:miter lim="400000"/>
+          </a:ln>
+          <a:effectLst/>
+          <a:sp3d/>
+        </p:spPr>
+        <p:style>
+          <a:lnRef idx="0">
+            <a:scrgbClr r="0" g="0" b="0"/>
+          </a:lnRef>
+          <a:fillRef idx="0">
+            <a:scrgbClr r="0" g="0" b="0"/>
+          </a:fillRef>
+          <a:effectRef idx="0">
+            <a:scrgbClr r="0" g="0" b="0"/>
+          </a:effectRef>
+          <a:fontRef idx="none"/>
+        </p:style>
+        <p:txBody>
+          <a:bodyPr wrap="square">
+            <a:spAutoFit/>
+          </a:bodyPr>
+          <a:lstStyle/>
+          <a:p>
+            <a:r>
+              <a:rPr lang="en-US" sz="2400" dirty="0">
+                <a:latin typeface="Calibri" panose="020F0502020204030204" pitchFamily="34" charset="0"/>
+                <a:cs typeface="Calibri" panose="020F0502020204030204" pitchFamily="34" charset="0"/>
+              </a:rPr>
+              <a:t>Corresponding folder: examples/</a:t>
+            </a:r>
+            <a:r>
+              <a:rPr lang="en-US" sz="2400" dirty="0" err="1">
+                <a:latin typeface="Calibri" panose="020F0502020204030204" pitchFamily="34" charset="0"/>
+                <a:cs typeface="Calibri" panose="020F0502020204030204" pitchFamily="34" charset="0"/>
+              </a:rPr>
+              <a:t>parallelfor</a:t>
+            </a:r>
+            <a:endParaRPr lang="en-US" sz="2400" dirty="0">
+              <a:latin typeface="Calibri" panose="020F0502020204030204" pitchFamily="34" charset="0"/>
+              <a:cs typeface="Calibri" panose="020F0502020204030204" pitchFamily="34" charset="0"/>
+            </a:endParaRPr>
+          </a:p>
+        </p:txBody>
+      </p:sp>
     </p:spTree>
     <p:extLst>
       <p:ext uri="{BB962C8B-B14F-4D97-AF65-F5344CB8AC3E}">
@@ -22780,6 +22896,62 @@
           </a:p>
         </p:txBody>
       </p:sp>
+      <p:sp>
+        <p:nvSpPr>
+          <p:cNvPr id="2" name="TextBox 1">
+            <a:extLst>
+              <a:ext uri="{FF2B5EF4-FFF2-40B4-BE49-F238E27FC236}">
+                <a16:creationId xmlns:a16="http://schemas.microsoft.com/office/drawing/2014/main" id="{C9E4D49B-B7BB-9223-19F7-C0A491A2A968}"/>
+              </a:ext>
+            </a:extLst>
+          </p:cNvPr>
+          <p:cNvSpPr txBox="1"/>
+          <p:nvPr/>
+        </p:nvSpPr>
+        <p:spPr>
+          <a:xfrm>
+            <a:off x="284163" y="5779103"/>
+            <a:ext cx="8588376" cy="400110"/>
+          </a:xfrm>
+          <a:prstGeom prst="rect">
+            <a:avLst/>
+          </a:prstGeom>
+          <a:noFill/>
+          <a:ln w="12700" cap="flat">
+            <a:noFill/>
+            <a:miter lim="400000"/>
+          </a:ln>
+          <a:effectLst/>
+          <a:sp3d/>
+        </p:spPr>
+        <p:style>
+          <a:lnRef idx="0">
+            <a:scrgbClr r="0" g="0" b="0"/>
+          </a:lnRef>
+          <a:fillRef idx="0">
+            <a:scrgbClr r="0" g="0" b="0"/>
+          </a:fillRef>
+          <a:effectRef idx="0">
+            <a:scrgbClr r="0" g="0" b="0"/>
+          </a:effectRef>
+          <a:fontRef idx="none"/>
+        </p:style>
+        <p:txBody>
+          <a:bodyPr wrap="square">
+            <a:spAutoFit/>
+          </a:bodyPr>
+          <a:lstStyle/>
+          <a:p>
+            <a:r>
+              <a:rPr lang="en-US" sz="2000" dirty="0">
+                <a:latin typeface="Calibri" panose="020F0502020204030204" pitchFamily="34" charset="0"/>
+                <a:cs typeface="Calibri" panose="020F0502020204030204" pitchFamily="34" charset="0"/>
+              </a:rPr>
+              <a:t>Steps 6 and 7 are available in the corresponding source code folders</a:t>
+            </a:r>
+          </a:p>
+        </p:txBody>
+      </p:sp>
     </p:spTree>
     <p:extLst>
       <p:ext uri="{BB962C8B-B14F-4D97-AF65-F5344CB8AC3E}">
@@ -23096,7 +23268,21 @@
                 <a:latin typeface="Calibri" panose="020F0502020204030204" pitchFamily="34" charset="0"/>
                 <a:cs typeface="Calibri" panose="020F0502020204030204" pitchFamily="34" charset="0"/>
               </a:rPr>
-              <a:t>PCT also supports asynchronous parallel programming, big data processing, </a:t>
+              <a:t>PCT also supports </a:t>
+            </a:r>
+            <a:r>
+              <a:rPr lang="en-GB" sz="2400" dirty="0" err="1">
+                <a:latin typeface="Calibri" panose="020F0502020204030204" pitchFamily="34" charset="0"/>
+                <a:cs typeface="Calibri" panose="020F0502020204030204" pitchFamily="34" charset="0"/>
+              </a:rPr>
+              <a:t>spmd</a:t>
+            </a:r>
+            <a:r>
+              <a:rPr lang="en-GB" sz="2400" dirty="0">
+                <a:latin typeface="Calibri" panose="020F0502020204030204" pitchFamily="34" charset="0"/>
+                <a:cs typeface="Calibri" panose="020F0502020204030204" pitchFamily="34" charset="0"/>
+              </a:rPr>
+              <a:t> execution, asynchronous parallel programming, big data processing, </a:t>
             </a:r>
             <a:r>
               <a:rPr lang="en-GB" sz="2400" dirty="0" err="1">
@@ -24242,14 +24428,13 @@
               <a:t>~/</a:t>
             </a:r>
             <a:r>
-              <a:rPr lang="en-GB" sz="1600" b="1" dirty="0" err="1">
+              <a:rPr lang="en-GB" sz="1600" b="1" dirty="0">
                 <a:solidFill>
                   <a:srgbClr val="400BD9"/>
                 </a:solidFill>
-                <a:effectLst/>
                 <a:latin typeface="Menlo" panose="020B0609030804020204" pitchFamily="49" charset="0"/>
               </a:rPr>
-              <a:t>matlab_compiler</a:t>
+              <a:t>examples</a:t>
             </a:r>
             <a:r>
               <a:rPr lang="en-GB" sz="1600" b="1" dirty="0">
@@ -26324,6 +26509,62 @@
           </a:graphicData>
         </a:graphic>
       </p:graphicFrame>
+      <p:sp>
+        <p:nvSpPr>
+          <p:cNvPr id="3" name="TextBox 2">
+            <a:extLst>
+              <a:ext uri="{FF2B5EF4-FFF2-40B4-BE49-F238E27FC236}">
+                <a16:creationId xmlns:a16="http://schemas.microsoft.com/office/drawing/2014/main" id="{57E6F4B3-FE7F-CB47-7A45-7A658C043FC4}"/>
+              </a:ext>
+            </a:extLst>
+          </p:cNvPr>
+          <p:cNvSpPr txBox="1"/>
+          <p:nvPr/>
+        </p:nvSpPr>
+        <p:spPr>
+          <a:xfrm>
+            <a:off x="254000" y="5537385"/>
+            <a:ext cx="8647112" cy="461665"/>
+          </a:xfrm>
+          <a:prstGeom prst="rect">
+            <a:avLst/>
+          </a:prstGeom>
+          <a:noFill/>
+          <a:ln w="12700" cap="flat">
+            <a:noFill/>
+            <a:miter lim="400000"/>
+          </a:ln>
+          <a:effectLst/>
+          <a:sp3d/>
+        </p:spPr>
+        <p:style>
+          <a:lnRef idx="0">
+            <a:scrgbClr r="0" g="0" b="0"/>
+          </a:lnRef>
+          <a:fillRef idx="0">
+            <a:scrgbClr r="0" g="0" b="0"/>
+          </a:fillRef>
+          <a:effectRef idx="0">
+            <a:scrgbClr r="0" g="0" b="0"/>
+          </a:effectRef>
+          <a:fontRef idx="none"/>
+        </p:style>
+        <p:txBody>
+          <a:bodyPr wrap="square">
+            <a:spAutoFit/>
+          </a:bodyPr>
+          <a:lstStyle/>
+          <a:p>
+            <a:r>
+              <a:rPr lang="en-US" sz="2400" dirty="0">
+                <a:latin typeface="Calibri" panose="020F0502020204030204" pitchFamily="34" charset="0"/>
+                <a:cs typeface="Calibri" panose="020F0502020204030204" pitchFamily="34" charset="0"/>
+              </a:rPr>
+              <a:t>Demo available in examples/engine</a:t>
+            </a:r>
+          </a:p>
+        </p:txBody>
+      </p:sp>
     </p:spTree>
     <p:extLst>
       <p:ext uri="{BB962C8B-B14F-4D97-AF65-F5344CB8AC3E}">
